--- a/6. DSS/Presentation/sinead_slides_mk1.pptx
+++ b/6. DSS/Presentation/sinead_slides_mk1.pptx
@@ -280,7 +280,7 @@
           <a:p>
             <a:fld id="{8D6EEBC2-4A3A-401B-AD01-F985D672D69A}" type="datetimeFigureOut">
               <a:rPr lang="en-GB" smtClean="0"/>
-              <a:t>03/10/2025</a:t>
+              <a:t>09/10/2025</a:t>
             </a:fld>
             <a:endParaRPr lang="en-GB"/>
           </a:p>
@@ -478,7 +478,7 @@
           <a:p>
             <a:fld id="{8D6EEBC2-4A3A-401B-AD01-F985D672D69A}" type="datetimeFigureOut">
               <a:rPr lang="en-GB" smtClean="0"/>
-              <a:t>03/10/2025</a:t>
+              <a:t>09/10/2025</a:t>
             </a:fld>
             <a:endParaRPr lang="en-GB"/>
           </a:p>
@@ -686,7 +686,7 @@
           <a:p>
             <a:fld id="{8D6EEBC2-4A3A-401B-AD01-F985D672D69A}" type="datetimeFigureOut">
               <a:rPr lang="en-GB" smtClean="0"/>
-              <a:t>03/10/2025</a:t>
+              <a:t>09/10/2025</a:t>
             </a:fld>
             <a:endParaRPr lang="en-GB"/>
           </a:p>
@@ -884,7 +884,7 @@
           <a:p>
             <a:fld id="{8D6EEBC2-4A3A-401B-AD01-F985D672D69A}" type="datetimeFigureOut">
               <a:rPr lang="en-GB" smtClean="0"/>
-              <a:t>03/10/2025</a:t>
+              <a:t>09/10/2025</a:t>
             </a:fld>
             <a:endParaRPr lang="en-GB"/>
           </a:p>
@@ -1159,7 +1159,7 @@
           <a:p>
             <a:fld id="{8D6EEBC2-4A3A-401B-AD01-F985D672D69A}" type="datetimeFigureOut">
               <a:rPr lang="en-GB" smtClean="0"/>
-              <a:t>03/10/2025</a:t>
+              <a:t>09/10/2025</a:t>
             </a:fld>
             <a:endParaRPr lang="en-GB"/>
           </a:p>
@@ -1424,7 +1424,7 @@
           <a:p>
             <a:fld id="{8D6EEBC2-4A3A-401B-AD01-F985D672D69A}" type="datetimeFigureOut">
               <a:rPr lang="en-GB" smtClean="0"/>
-              <a:t>03/10/2025</a:t>
+              <a:t>09/10/2025</a:t>
             </a:fld>
             <a:endParaRPr lang="en-GB"/>
           </a:p>
@@ -1836,7 +1836,7 @@
           <a:p>
             <a:fld id="{8D6EEBC2-4A3A-401B-AD01-F985D672D69A}" type="datetimeFigureOut">
               <a:rPr lang="en-GB" smtClean="0"/>
-              <a:t>03/10/2025</a:t>
+              <a:t>09/10/2025</a:t>
             </a:fld>
             <a:endParaRPr lang="en-GB"/>
           </a:p>
@@ -1977,7 +1977,7 @@
           <a:p>
             <a:fld id="{8D6EEBC2-4A3A-401B-AD01-F985D672D69A}" type="datetimeFigureOut">
               <a:rPr lang="en-GB" smtClean="0"/>
-              <a:t>03/10/2025</a:t>
+              <a:t>09/10/2025</a:t>
             </a:fld>
             <a:endParaRPr lang="en-GB"/>
           </a:p>
@@ -2090,7 +2090,7 @@
           <a:p>
             <a:fld id="{8D6EEBC2-4A3A-401B-AD01-F985D672D69A}" type="datetimeFigureOut">
               <a:rPr lang="en-GB" smtClean="0"/>
-              <a:t>03/10/2025</a:t>
+              <a:t>09/10/2025</a:t>
             </a:fld>
             <a:endParaRPr lang="en-GB"/>
           </a:p>
@@ -2401,7 +2401,7 @@
           <a:p>
             <a:fld id="{8D6EEBC2-4A3A-401B-AD01-F985D672D69A}" type="datetimeFigureOut">
               <a:rPr lang="en-GB" smtClean="0"/>
-              <a:t>03/10/2025</a:t>
+              <a:t>09/10/2025</a:t>
             </a:fld>
             <a:endParaRPr lang="en-GB"/>
           </a:p>
@@ -2689,7 +2689,7 @@
           <a:p>
             <a:fld id="{8D6EEBC2-4A3A-401B-AD01-F985D672D69A}" type="datetimeFigureOut">
               <a:rPr lang="en-GB" smtClean="0"/>
-              <a:t>03/10/2025</a:t>
+              <a:t>09/10/2025</a:t>
             </a:fld>
             <a:endParaRPr lang="en-GB"/>
           </a:p>
@@ -2930,7 +2930,7 @@
           <a:p>
             <a:fld id="{8D6EEBC2-4A3A-401B-AD01-F985D672D69A}" type="datetimeFigureOut">
               <a:rPr lang="en-GB" smtClean="0"/>
-              <a:t>03/10/2025</a:t>
+              <a:t>09/10/2025</a:t>
             </a:fld>
             <a:endParaRPr lang="en-GB"/>
           </a:p>
